--- a/presentation/Presented by group 30.pptx
+++ b/presentation/Presented by group 30.pptx
@@ -17,19 +17,13 @@
   <p:notesSz cx="6858000" cy="9144000"/>
   <p:embeddedFontLst>
     <p:embeddedFont>
-      <p:font typeface="Calibri" panose="020F0502020204030204" pitchFamily="34" charset="0"/>
+      <p:font typeface="Montserrat Medium" panose="00000600000000000000" pitchFamily="2" charset="0"/>
       <p:regular r:id="rId9"/>
-      <p:bold r:id="rId10"/>
-      <p:italic r:id="rId11"/>
-      <p:boldItalic r:id="rId12"/>
-    </p:embeddedFont>
-    <p:embeddedFont>
-      <p:font typeface="Montserrat Medium" panose="00000600000000000000" pitchFamily="2" charset="0"/>
-      <p:regular r:id="rId13"/>
+      <p:italic r:id="rId10"/>
     </p:embeddedFont>
     <p:embeddedFont>
       <p:font typeface="Sniglet" panose="020B0604020202020204" charset="0"/>
-      <p:regular r:id="rId14"/>
+      <p:regular r:id="rId11"/>
     </p:embeddedFont>
   </p:embeddedFontLst>
   <p:defaultTextStyle>
@@ -326,7 +320,7 @@
             <a:fld id="{1D8BD707-D9CF-40AE-B4C6-C98DA3205C09}" type="datetimeFigureOut">
               <a:rPr lang="en-US" smtClean="0"/>
               <a:pPr/>
-              <a:t>1/7/2024</a:t>
+              <a:t>1/13/2024</a:t>
             </a:fld>
             <a:endParaRPr lang="en-US"/>
           </a:p>
@@ -491,7 +485,7 @@
             <a:fld id="{1D8BD707-D9CF-40AE-B4C6-C98DA3205C09}" type="datetimeFigureOut">
               <a:rPr lang="en-US" smtClean="0"/>
               <a:pPr/>
-              <a:t>1/7/2024</a:t>
+              <a:t>1/13/2024</a:t>
             </a:fld>
             <a:endParaRPr lang="en-US"/>
           </a:p>
@@ -666,7 +660,7 @@
             <a:fld id="{1D8BD707-D9CF-40AE-B4C6-C98DA3205C09}" type="datetimeFigureOut">
               <a:rPr lang="en-US" smtClean="0"/>
               <a:pPr/>
-              <a:t>1/7/2024</a:t>
+              <a:t>1/13/2024</a:t>
             </a:fld>
             <a:endParaRPr lang="en-US"/>
           </a:p>
@@ -831,7 +825,7 @@
             <a:fld id="{1D8BD707-D9CF-40AE-B4C6-C98DA3205C09}" type="datetimeFigureOut">
               <a:rPr lang="en-US" smtClean="0"/>
               <a:pPr/>
-              <a:t>1/7/2024</a:t>
+              <a:t>1/13/2024</a:t>
             </a:fld>
             <a:endParaRPr lang="en-US"/>
           </a:p>
@@ -1073,7 +1067,7 @@
             <a:fld id="{1D8BD707-D9CF-40AE-B4C6-C98DA3205C09}" type="datetimeFigureOut">
               <a:rPr lang="en-US" smtClean="0"/>
               <a:pPr/>
-              <a:t>1/7/2024</a:t>
+              <a:t>1/13/2024</a:t>
             </a:fld>
             <a:endParaRPr lang="en-US"/>
           </a:p>
@@ -1355,7 +1349,7 @@
             <a:fld id="{1D8BD707-D9CF-40AE-B4C6-C98DA3205C09}" type="datetimeFigureOut">
               <a:rPr lang="en-US" smtClean="0"/>
               <a:pPr/>
-              <a:t>1/7/2024</a:t>
+              <a:t>1/13/2024</a:t>
             </a:fld>
             <a:endParaRPr lang="en-US"/>
           </a:p>
@@ -1771,7 +1765,7 @@
             <a:fld id="{1D8BD707-D9CF-40AE-B4C6-C98DA3205C09}" type="datetimeFigureOut">
               <a:rPr lang="en-US" smtClean="0"/>
               <a:pPr/>
-              <a:t>1/7/2024</a:t>
+              <a:t>1/13/2024</a:t>
             </a:fld>
             <a:endParaRPr lang="en-US"/>
           </a:p>
@@ -1885,7 +1879,7 @@
             <a:fld id="{1D8BD707-D9CF-40AE-B4C6-C98DA3205C09}" type="datetimeFigureOut">
               <a:rPr lang="en-US" smtClean="0"/>
               <a:pPr/>
-              <a:t>1/7/2024</a:t>
+              <a:t>1/13/2024</a:t>
             </a:fld>
             <a:endParaRPr lang="en-US"/>
           </a:p>
@@ -1977,7 +1971,7 @@
             <a:fld id="{1D8BD707-D9CF-40AE-B4C6-C98DA3205C09}" type="datetimeFigureOut">
               <a:rPr lang="en-US" smtClean="0"/>
               <a:pPr/>
-              <a:t>1/7/2024</a:t>
+              <a:t>1/13/2024</a:t>
             </a:fld>
             <a:endParaRPr lang="en-US"/>
           </a:p>
@@ -2249,7 +2243,7 @@
             <a:fld id="{1D8BD707-D9CF-40AE-B4C6-C98DA3205C09}" type="datetimeFigureOut">
               <a:rPr lang="en-US" smtClean="0"/>
               <a:pPr/>
-              <a:t>1/7/2024</a:t>
+              <a:t>1/13/2024</a:t>
             </a:fld>
             <a:endParaRPr lang="en-US"/>
           </a:p>
@@ -2498,7 +2492,7 @@
             <a:fld id="{1D8BD707-D9CF-40AE-B4C6-C98DA3205C09}" type="datetimeFigureOut">
               <a:rPr lang="en-US" smtClean="0"/>
               <a:pPr/>
-              <a:t>1/7/2024</a:t>
+              <a:t>1/13/2024</a:t>
             </a:fld>
             <a:endParaRPr lang="en-US"/>
           </a:p>
@@ -2706,7 +2700,7 @@
             <a:fld id="{1D8BD707-D9CF-40AE-B4C6-C98DA3205C09}" type="datetimeFigureOut">
               <a:rPr lang="en-US" smtClean="0"/>
               <a:pPr/>
-              <a:t>1/7/2024</a:t>
+              <a:t>1/13/2024</a:t>
             </a:fld>
             <a:endParaRPr lang="en-US"/>
           </a:p>
@@ -4629,7 +4623,7 @@
           <a:bodyPr/>
           <a:lstStyle/>
           <a:p>
-            <a:endParaRPr lang="en-US"/>
+            <a:endParaRPr lang="en-US" dirty="0"/>
           </a:p>
         </p:txBody>
       </p:sp>
@@ -4739,9 +4733,9 @@
         <p:grpSpPr>
           <a:xfrm>
             <a:off x="1502881" y="3394314"/>
-            <a:ext cx="15390525" cy="6680347"/>
+            <a:ext cx="15390525" cy="6591511"/>
             <a:chOff x="0" y="0"/>
-            <a:chExt cx="20520700" cy="8907130"/>
+            <a:chExt cx="20520700" cy="8788682"/>
           </a:xfrm>
         </p:grpSpPr>
         <p:grpSp>
@@ -4875,7 +4869,7 @@
           </p:nvSpPr>
           <p:spPr>
             <a:xfrm>
-              <a:off x="5621637" y="5253887"/>
+              <a:off x="5553153" y="5191458"/>
               <a:ext cx="3993589" cy="3597224"/>
             </a:xfrm>
             <a:prstGeom prst="rect">
@@ -5141,15 +5135,15 @@
           </p:nvSpPr>
           <p:spPr>
             <a:xfrm>
-              <a:off x="313019" y="4129424"/>
-              <a:ext cx="3993589" cy="4777706"/>
+              <a:off x="89920" y="5047170"/>
+              <a:ext cx="4588612" cy="3597224"/>
             </a:xfrm>
             <a:prstGeom prst="rect">
               <a:avLst/>
             </a:prstGeom>
           </p:spPr>
           <p:txBody>
-            <a:bodyPr lIns="0" tIns="0" rIns="0" bIns="0" rtlCol="0" anchor="t">
+            <a:bodyPr wrap="square" lIns="0" tIns="0" rIns="0" bIns="0" rtlCol="0" anchor="t">
               <a:spAutoFit/>
             </a:bodyPr>
             <a:lstStyle/>
@@ -5198,7 +5192,7 @@
                   </a:solidFill>
                   <a:latin typeface="Sniglet"/>
                 </a:rPr>
-                <a:t>IMPLEMENT: GENERIC TREE, RED-BLACK-TREE, BST, REPORT, SLIDE</a:t>
+                <a:t> GENERIC TREE, RED-BLACK-TREE, REPORT, SLIDE</a:t>
               </a:r>
             </a:p>
           </p:txBody>
@@ -5335,7 +5329,7 @@
           <p:spPr>
             <a:xfrm>
               <a:off x="11201857" y="5253887"/>
-              <a:ext cx="3363503" cy="1219961"/>
+              <a:ext cx="3363503" cy="1801861"/>
             </a:xfrm>
             <a:prstGeom prst="rect">
               <a:avLst/>
@@ -5360,6 +5354,22 @@
                   <a:latin typeface="Sniglet"/>
                 </a:rPr>
                 <a:t>Nguyễn Trung Sơn</a:t>
+              </a:r>
+            </a:p>
+            <a:p>
+              <a:pPr marL="0" lvl="0" indent="0" algn="ctr">
+                <a:lnSpc>
+                  <a:spcPts val="3506"/>
+                </a:lnSpc>
+              </a:pPr>
+              <a:r>
+                <a:rPr lang="vi-VN" sz="3277" spc="29" dirty="0">
+                  <a:solidFill>
+                    <a:srgbClr val="000000"/>
+                  </a:solidFill>
+                  <a:latin typeface="Sniglet"/>
+                </a:rPr>
+                <a:t>BST</a:t>
               </a:r>
               <a:endParaRPr lang="en-US" sz="3277" spc="29" dirty="0">
                 <a:solidFill>
@@ -5502,7 +5512,7 @@
           <p:spPr>
             <a:xfrm>
               <a:off x="16451569" y="5253887"/>
-              <a:ext cx="3363503" cy="598540"/>
+              <a:ext cx="3363503" cy="1203407"/>
             </a:xfrm>
             <a:prstGeom prst="rect">
               <a:avLst/>
@@ -5527,6 +5537,22 @@
                   <a:latin typeface="Sniglet"/>
                 </a:rPr>
                 <a:t>Đoàn Bá Sơn</a:t>
+              </a:r>
+            </a:p>
+            <a:p>
+              <a:pPr marL="0" lvl="0" indent="0" algn="ctr">
+                <a:lnSpc>
+                  <a:spcPts val="3506"/>
+                </a:lnSpc>
+              </a:pPr>
+              <a:r>
+                <a:rPr lang="vi-VN" sz="3277" spc="29" dirty="0">
+                  <a:solidFill>
+                    <a:srgbClr val="000000"/>
+                  </a:solidFill>
+                  <a:latin typeface="Sniglet"/>
+                </a:rPr>
+                <a:t>BST</a:t>
               </a:r>
               <a:endParaRPr lang="en-US" sz="3277" spc="29" dirty="0">
                 <a:solidFill>
